--- a/Presentation.pptx
+++ b/Presentation.pptx
@@ -4533,7 +4533,7 @@
         </p:nvSpPr>
         <p:spPr>
           <a:xfrm>
-            <a:off x="8649149" y="4660808"/>
+            <a:off x="8649149" y="4389120"/>
             <a:ext cx="2026452" cy="369332"/>
           </a:xfrm>
           <a:prstGeom prst="rect">
@@ -4740,6 +4740,41 @@
           </a:prstGeom>
         </p:spPr>
       </p:pic>
+      <p:sp>
+        <p:nvSpPr>
+          <p:cNvPr id="18" name="TextBox 17">
+            <a:extLst>
+              <a:ext uri="{FF2B5EF4-FFF2-40B4-BE49-F238E27FC236}">
+                <a16:creationId xmlns:a16="http://schemas.microsoft.com/office/drawing/2014/main" id="{BFE59D16-3A0D-B02B-C51B-70F98DC3B279}"/>
+              </a:ext>
+            </a:extLst>
+          </p:cNvPr>
+          <p:cNvSpPr txBox="1"/>
+          <p:nvPr/>
+        </p:nvSpPr>
+        <p:spPr>
+          <a:xfrm>
+            <a:off x="9034639" y="4765638"/>
+            <a:ext cx="1255472" cy="369332"/>
+          </a:xfrm>
+          <a:prstGeom prst="rect">
+            <a:avLst/>
+          </a:prstGeom>
+          <a:noFill/>
+        </p:spPr>
+        <p:txBody>
+          <a:bodyPr wrap="none" rtlCol="0">
+            <a:spAutoFit/>
+          </a:bodyPr>
+          <a:lstStyle/>
+          <a:p>
+            <a:r>
+              <a:rPr lang="en-CN" dirty="0"/>
+              <a:t>(125358, 5)</a:t>
+            </a:r>
+          </a:p>
+        </p:txBody>
+      </p:sp>
     </p:spTree>
     <p:extLst>
       <p:ext uri="{BB962C8B-B14F-4D97-AF65-F5344CB8AC3E}">

--- a/Presentation.pptx
+++ b/Presentation.pptx
@@ -5102,10 +5102,10 @@
       </p:sp>
       <p:pic>
         <p:nvPicPr>
-          <p:cNvPr id="10" name="Picture 9">
-            <a:extLst>
-              <a:ext uri="{FF2B5EF4-FFF2-40B4-BE49-F238E27FC236}">
-                <a16:creationId xmlns:a16="http://schemas.microsoft.com/office/drawing/2014/main" id="{F7A41C44-B420-E94E-7421-FE117AA04D99}"/>
+          <p:cNvPr id="12" name="Picture 11">
+            <a:extLst>
+              <a:ext uri="{FF2B5EF4-FFF2-40B4-BE49-F238E27FC236}">
+                <a16:creationId xmlns:a16="http://schemas.microsoft.com/office/drawing/2014/main" id="{7BA9E859-BC29-00D1-9D43-15B67CE149D2}"/>
               </a:ext>
             </a:extLst>
           </p:cNvPr>
@@ -5122,8 +5122,8 @@
         </p:blipFill>
         <p:spPr>
           <a:xfrm>
-            <a:off x="7361219" y="2452570"/>
-            <a:ext cx="3149600" cy="1765300"/>
+            <a:off x="7478806" y="2533650"/>
+            <a:ext cx="3124200" cy="1790700"/>
           </a:xfrm>
           <a:prstGeom prst="rect">
             <a:avLst/>
@@ -5534,36 +5534,6 @@
           <a:xfrm>
             <a:off x="7946315" y="398033"/>
             <a:ext cx="3674913" cy="1401329"/>
-          </a:xfrm>
-          <a:prstGeom prst="rect">
-            <a:avLst/>
-          </a:prstGeom>
-        </p:spPr>
-      </p:pic>
-      <p:pic>
-        <p:nvPicPr>
-          <p:cNvPr id="8" name="Picture 7">
-            <a:extLst>
-              <a:ext uri="{FF2B5EF4-FFF2-40B4-BE49-F238E27FC236}">
-                <a16:creationId xmlns:a16="http://schemas.microsoft.com/office/drawing/2014/main" id="{507C0FEA-4DB9-3B29-E821-6F9C756941E2}"/>
-              </a:ext>
-            </a:extLst>
-          </p:cNvPr>
-          <p:cNvPicPr>
-            <a:picLocks noChangeAspect="1"/>
-          </p:cNvPicPr>
-          <p:nvPr/>
-        </p:nvPicPr>
-        <p:blipFill>
-          <a:blip r:embed="rId4"/>
-          <a:stretch>
-            <a:fillRect/>
-          </a:stretch>
-        </p:blipFill>
-        <p:spPr>
-          <a:xfrm>
-            <a:off x="7976123" y="1796673"/>
-            <a:ext cx="3734832" cy="2489888"/>
           </a:xfrm>
           <a:prstGeom prst="rect">
             <a:avLst/>
@@ -6686,7 +6656,7 @@
           <p:nvPr/>
         </p:nvPicPr>
         <p:blipFill>
-          <a:blip r:embed="rId5"/>
+          <a:blip r:embed="rId4"/>
           <a:stretch>
             <a:fillRect/>
           </a:stretch>
@@ -6736,6 +6706,36 @@
           </a:p>
         </p:txBody>
       </p:sp>
+      <p:pic>
+        <p:nvPicPr>
+          <p:cNvPr id="21" name="Picture 20">
+            <a:extLst>
+              <a:ext uri="{FF2B5EF4-FFF2-40B4-BE49-F238E27FC236}">
+                <a16:creationId xmlns:a16="http://schemas.microsoft.com/office/drawing/2014/main" id="{03583EE6-18D8-0811-8739-9518D975AFC6}"/>
+              </a:ext>
+            </a:extLst>
+          </p:cNvPr>
+          <p:cNvPicPr>
+            <a:picLocks noChangeAspect="1"/>
+          </p:cNvPicPr>
+          <p:nvPr/>
+        </p:nvPicPr>
+        <p:blipFill>
+          <a:blip r:embed="rId5"/>
+          <a:stretch>
+            <a:fillRect/>
+          </a:stretch>
+        </p:blipFill>
+        <p:spPr>
+          <a:xfrm>
+            <a:off x="7892009" y="1612159"/>
+            <a:ext cx="3783523" cy="2522349"/>
+          </a:xfrm>
+          <a:prstGeom prst="rect">
+            <a:avLst/>
+          </a:prstGeom>
+        </p:spPr>
+      </p:pic>
     </p:spTree>
     <p:extLst>
       <p:ext uri="{BB962C8B-B14F-4D97-AF65-F5344CB8AC3E}">

--- a/Presentation.pptx
+++ b/Presentation.pptx
@@ -6017,7 +6017,7 @@
                     <a:p>
                       <a:pPr algn="ctr"/>
                       <a:r>
-                        <a:rPr lang="en-US" sz="1000" b="0" i="0">
+                        <a:rPr lang="en-US" sz="1000" b="0" i="0" dirty="0">
                           <a:solidFill>
                             <a:srgbClr val="000000"/>
                           </a:solidFill>
@@ -6026,7 +6026,7 @@
                         </a:rPr>
                         <a:t>Master’s degree</a:t>
                       </a:r>
-                      <a:endParaRPr lang="en-US" sz="1000">
+                      <a:endParaRPr lang="en-US" sz="1000" dirty="0">
                         <a:effectLst/>
                         <a:latin typeface="+mn-lt"/>
                       </a:endParaRPr>
@@ -6935,7 +6935,15 @@
             </a:pPr>
             <a:r>
               <a:rPr lang="en-US" dirty="0"/>
-              <a:t>we could use two different models (LR and RF) to successfully classify cognitive ability with demographic data </a:t>
+              <a:t>W</a:t>
+            </a:r>
+            <a:r>
+              <a:rPr lang="en-US"/>
+              <a:t>e </a:t>
+            </a:r>
+            <a:r>
+              <a:rPr lang="en-US" dirty="0"/>
+              <a:t>could use two different models (LR and RF) to successfully classify cognitive ability with demographic data </a:t>
             </a:r>
           </a:p>
           <a:p>

--- a/Presentation.pptx
+++ b/Presentation.pptx
@@ -5494,7 +5494,7 @@
             </a:pPr>
             <a:r>
               <a:rPr lang="en-US" dirty="0"/>
-              <a:t>Best AUC score: 0.9041449584055424 </a:t>
+              <a:t>Best AUC score: 0.90</a:t>
             </a:r>
           </a:p>
           <a:p>
@@ -6641,36 +6641,6 @@
           </a:graphicData>
         </a:graphic>
       </p:graphicFrame>
-      <p:pic>
-        <p:nvPicPr>
-          <p:cNvPr id="18" name="Picture 17">
-            <a:extLst>
-              <a:ext uri="{FF2B5EF4-FFF2-40B4-BE49-F238E27FC236}">
-                <a16:creationId xmlns:a16="http://schemas.microsoft.com/office/drawing/2014/main" id="{0700EB64-B536-8B92-D83C-FC72D8D670E1}"/>
-              </a:ext>
-            </a:extLst>
-          </p:cNvPr>
-          <p:cNvPicPr>
-            <a:picLocks noChangeAspect="1"/>
-          </p:cNvPicPr>
-          <p:nvPr/>
-        </p:nvPicPr>
-        <p:blipFill>
-          <a:blip r:embed="rId4"/>
-          <a:stretch>
-            <a:fillRect/>
-          </a:stretch>
-        </p:blipFill>
-        <p:spPr>
-          <a:xfrm>
-            <a:off x="8402961" y="4841287"/>
-            <a:ext cx="2881156" cy="1766188"/>
-          </a:xfrm>
-          <a:prstGeom prst="rect">
-            <a:avLst/>
-          </a:prstGeom>
-        </p:spPr>
-      </p:pic>
       <p:sp>
         <p:nvSpPr>
           <p:cNvPr id="19" name="TextBox 18">
@@ -6721,7 +6691,7 @@
           <p:nvPr/>
         </p:nvPicPr>
         <p:blipFill>
-          <a:blip r:embed="rId5"/>
+          <a:blip r:embed="rId4"/>
           <a:stretch>
             <a:fillRect/>
           </a:stretch>
@@ -6736,6 +6706,196 @@
           </a:prstGeom>
         </p:spPr>
       </p:pic>
+      <p:graphicFrame>
+        <p:nvGraphicFramePr>
+          <p:cNvPr id="5" name="Table 6">
+            <a:extLst>
+              <a:ext uri="{FF2B5EF4-FFF2-40B4-BE49-F238E27FC236}">
+                <a16:creationId xmlns:a16="http://schemas.microsoft.com/office/drawing/2014/main" id="{C158118A-6458-51F3-FC0D-FDC59B2238DD}"/>
+              </a:ext>
+            </a:extLst>
+          </p:cNvPr>
+          <p:cNvGraphicFramePr>
+            <a:graphicFrameLocks noGrp="1"/>
+          </p:cNvGraphicFramePr>
+          <p:nvPr>
+            <p:extLst>
+              <p:ext uri="{D42A27DB-BD31-4B8C-83A1-F6EECF244321}">
+                <p14:modId xmlns:p14="http://schemas.microsoft.com/office/powerpoint/2010/main" val="4237884650"/>
+              </p:ext>
+            </p:extLst>
+          </p:nvPr>
+        </p:nvGraphicFramePr>
+        <p:xfrm>
+          <a:off x="8042196" y="4798035"/>
+          <a:ext cx="3955547" cy="1483360"/>
+        </p:xfrm>
+        <a:graphic>
+          <a:graphicData uri="http://schemas.openxmlformats.org/drawingml/2006/table">
+            <a:tbl>
+              <a:tblPr firstRow="1" bandRow="1">
+                <a:tableStyleId>{2D5ABB26-0587-4C30-8999-92F81FD0307C}</a:tableStyleId>
+              </a:tblPr>
+              <a:tblGrid>
+                <a:gridCol w="1983932">
+                  <a:extLst>
+                    <a:ext uri="{9D8B030D-6E8A-4147-A177-3AD203B41FA5}">
+                      <a16:colId xmlns:a16="http://schemas.microsoft.com/office/drawing/2014/main" val="195426899"/>
+                    </a:ext>
+                  </a:extLst>
+                </a:gridCol>
+                <a:gridCol w="1971615">
+                  <a:extLst>
+                    <a:ext uri="{9D8B030D-6E8A-4147-A177-3AD203B41FA5}">
+                      <a16:colId xmlns:a16="http://schemas.microsoft.com/office/drawing/2014/main" val="1462095863"/>
+                    </a:ext>
+                  </a:extLst>
+                </a:gridCol>
+              </a:tblGrid>
+              <a:tr h="370840">
+                <a:tc>
+                  <a:txBody>
+                    <a:bodyPr/>
+                    <a:lstStyle/>
+                    <a:p>
+                      <a:pPr algn="ctr"/>
+                      <a:r>
+                        <a:rPr lang="en-CN" sz="1400" dirty="0"/>
+                        <a:t>Gender</a:t>
+                      </a:r>
+                    </a:p>
+                  </a:txBody>
+                  <a:tcPr/>
+                </a:tc>
+                <a:tc>
+                  <a:txBody>
+                    <a:bodyPr/>
+                    <a:lstStyle/>
+                    <a:p>
+                      <a:pPr algn="ctr"/>
+                      <a:r>
+                        <a:rPr lang="en-CN" sz="1400" dirty="0"/>
+                        <a:t>Female</a:t>
+                      </a:r>
+                    </a:p>
+                  </a:txBody>
+                  <a:tcPr/>
+                </a:tc>
+                <a:extLst>
+                  <a:ext uri="{0D108BD9-81ED-4DB2-BD59-A6C34878D82A}">
+                    <a16:rowId xmlns:a16="http://schemas.microsoft.com/office/drawing/2014/main" val="1068453826"/>
+                  </a:ext>
+                </a:extLst>
+              </a:tr>
+              <a:tr h="370840">
+                <a:tc>
+                  <a:txBody>
+                    <a:bodyPr/>
+                    <a:lstStyle/>
+                    <a:p>
+                      <a:pPr algn="ctr"/>
+                      <a:r>
+                        <a:rPr lang="en-CN" sz="1400" dirty="0"/>
+                        <a:t>Education Level</a:t>
+                      </a:r>
+                    </a:p>
+                  </a:txBody>
+                  <a:tcPr/>
+                </a:tc>
+                <a:tc>
+                  <a:txBody>
+                    <a:bodyPr/>
+                    <a:lstStyle/>
+                    <a:p>
+                      <a:pPr algn="ctr"/>
+                      <a:r>
+                        <a:rPr lang="en-CN" sz="1400" dirty="0"/>
+                        <a:t>College Degree</a:t>
+                      </a:r>
+                    </a:p>
+                  </a:txBody>
+                  <a:tcPr/>
+                </a:tc>
+                <a:extLst>
+                  <a:ext uri="{0D108BD9-81ED-4DB2-BD59-A6C34878D82A}">
+                    <a16:rowId xmlns:a16="http://schemas.microsoft.com/office/drawing/2014/main" val="1974021109"/>
+                  </a:ext>
+                </a:extLst>
+              </a:tr>
+              <a:tr h="370840">
+                <a:tc>
+                  <a:txBody>
+                    <a:bodyPr/>
+                    <a:lstStyle/>
+                    <a:p>
+                      <a:pPr algn="ctr"/>
+                      <a:r>
+                        <a:rPr lang="en-CN" sz="1400" dirty="0"/>
+                        <a:t>Country </a:t>
+                      </a:r>
+                    </a:p>
+                  </a:txBody>
+                  <a:tcPr/>
+                </a:tc>
+                <a:tc>
+                  <a:txBody>
+                    <a:bodyPr/>
+                    <a:lstStyle/>
+                    <a:p>
+                      <a:pPr algn="ctr"/>
+                      <a:r>
+                        <a:rPr lang="en-CN" sz="1400" dirty="0"/>
+                        <a:t>US</a:t>
+                      </a:r>
+                    </a:p>
+                  </a:txBody>
+                  <a:tcPr/>
+                </a:tc>
+                <a:extLst>
+                  <a:ext uri="{0D108BD9-81ED-4DB2-BD59-A6C34878D82A}">
+                    <a16:rowId xmlns:a16="http://schemas.microsoft.com/office/drawing/2014/main" val="4167614871"/>
+                  </a:ext>
+                </a:extLst>
+              </a:tr>
+              <a:tr h="370840">
+                <a:tc>
+                  <a:txBody>
+                    <a:bodyPr/>
+                    <a:lstStyle/>
+                    <a:p>
+                      <a:pPr algn="ctr"/>
+                      <a:r>
+                        <a:rPr lang="en-CN" sz="1400" dirty="0"/>
+                        <a:t>Age</a:t>
+                      </a:r>
+                    </a:p>
+                  </a:txBody>
+                  <a:tcPr/>
+                </a:tc>
+                <a:tc>
+                  <a:txBody>
+                    <a:bodyPr/>
+                    <a:lstStyle/>
+                    <a:p>
+                      <a:pPr algn="ctr"/>
+                      <a:r>
+                        <a:rPr lang="en-CN" sz="1400" dirty="0"/>
+                        <a:t>54</a:t>
+                      </a:r>
+                    </a:p>
+                  </a:txBody>
+                  <a:tcPr/>
+                </a:tc>
+                <a:extLst>
+                  <a:ext uri="{0D108BD9-81ED-4DB2-BD59-A6C34878D82A}">
+                    <a16:rowId xmlns:a16="http://schemas.microsoft.com/office/drawing/2014/main" val="2964135705"/>
+                  </a:ext>
+                </a:extLst>
+              </a:tr>
+            </a:tbl>
+          </a:graphicData>
+        </a:graphic>
+      </p:graphicFrame>
     </p:spTree>
     <p:extLst>
       <p:ext uri="{BB962C8B-B14F-4D97-AF65-F5344CB8AC3E}">
